--- a/TeamScholasticCrush.pptx
+++ b/TeamScholasticCrush.pptx
@@ -405,7 +405,7 @@
           <a:p>
             <a:fld id="{AF239A9A-B4B0-4B32-B8CD-2E25E95134C4}" type="datetimeFigureOut">
               <a:rPr lang="en-US" dirty="0"/>
-              <a:t>9/17/2018</a:t>
+              <a:t>9/18/2018</a:t>
             </a:fld>
             <a:endParaRPr lang="en-US" dirty="0"/>
           </a:p>
@@ -814,7 +814,7 @@
           <a:p>
             <a:fld id="{F25518A9-B687-4302-9395-2322403C6656}" type="datetimeFigureOut">
               <a:rPr lang="en-US" dirty="0"/>
-              <a:t>9/17/2018</a:t>
+              <a:t>9/18/2018</a:t>
             </a:fld>
             <a:endParaRPr lang="en-US" dirty="0"/>
           </a:p>
@@ -1145,7 +1145,7 @@
           <a:p>
             <a:fld id="{1A99A684-0CB7-41E9-A4DF-5D1C2CA5BF6F}" type="datetimeFigureOut">
               <a:rPr lang="en-US" dirty="0"/>
-              <a:t>9/17/2018</a:t>
+              <a:t>9/18/2018</a:t>
             </a:fld>
             <a:endParaRPr lang="en-US" dirty="0"/>
           </a:p>
@@ -1545,7 +1545,7 @@
           <a:p>
             <a:fld id="{FEDD7C35-9E19-4518-A4B2-3B09CD8CC756}" type="datetimeFigureOut">
               <a:rPr lang="en-US" dirty="0"/>
-              <a:t>9/17/2018</a:t>
+              <a:t>9/18/2018</a:t>
             </a:fld>
             <a:endParaRPr lang="en-US" dirty="0"/>
           </a:p>
@@ -2108,7 +2108,7 @@
           <a:p>
             <a:fld id="{26196DA8-8897-4DDF-BFB6-5D83863C837A}" type="datetimeFigureOut">
               <a:rPr lang="en-US" dirty="0"/>
-              <a:t>9/17/2018</a:t>
+              <a:t>9/18/2018</a:t>
             </a:fld>
             <a:endParaRPr lang="en-US" dirty="0"/>
           </a:p>
@@ -2784,7 +2784,7 @@
           <a:p>
             <a:fld id="{DCBBA708-C5F0-412D-90E2-1919F0D196AE}" type="datetimeFigureOut">
               <a:rPr lang="en-US" dirty="0"/>
-              <a:t>9/17/2018</a:t>
+              <a:t>9/18/2018</a:t>
             </a:fld>
             <a:endParaRPr lang="en-US" dirty="0"/>
           </a:p>
@@ -3692,7 +3692,7 @@
           <a:p>
             <a:fld id="{A9C8F8FA-EF43-4642-9368-3F4E33039BD9}" type="datetimeFigureOut">
               <a:rPr lang="en-US" dirty="0"/>
-              <a:t>9/17/2018</a:t>
+              <a:t>9/18/2018</a:t>
             </a:fld>
             <a:endParaRPr lang="en-US" dirty="0"/>
           </a:p>
@@ -4000,7 +4000,7 @@
           <a:p>
             <a:fld id="{6B61E721-B01C-4D5D-A3CA-2E5518383F10}" type="datetimeFigureOut">
               <a:rPr lang="en-US" dirty="0"/>
-              <a:t>9/17/2018</a:t>
+              <a:t>9/18/2018</a:t>
             </a:fld>
             <a:endParaRPr lang="en-US" dirty="0"/>
           </a:p>
@@ -4259,7 +4259,7 @@
           <a:p>
             <a:fld id="{6513FEF9-69D0-4F8C-A336-59491FBEDC47}" type="datetimeFigureOut">
               <a:rPr lang="en-US" dirty="0"/>
-              <a:t>9/17/2018</a:t>
+              <a:t>9/18/2018</a:t>
             </a:fld>
             <a:endParaRPr lang="en-US" dirty="0"/>
           </a:p>
@@ -4596,7 +4596,7 @@
           <a:p>
             <a:fld id="{A91E21DC-8981-44E6-BC8C-2BA8F673FFBB}" type="datetimeFigureOut">
               <a:rPr lang="en-US" dirty="0"/>
-              <a:t>9/17/2018</a:t>
+              <a:t>9/18/2018</a:t>
             </a:fld>
             <a:endParaRPr lang="en-US" dirty="0"/>
           </a:p>
@@ -4980,7 +4980,7 @@
           <a:p>
             <a:fld id="{AEB9C5D3-0140-4E75-8D7F-C0623D06DFD7}" type="datetimeFigureOut">
               <a:rPr lang="en-US" dirty="0"/>
-              <a:t>9/17/2018</a:t>
+              <a:t>9/18/2018</a:t>
             </a:fld>
             <a:endParaRPr lang="en-US" dirty="0"/>
           </a:p>
@@ -5351,7 +5351,7 @@
           <a:p>
             <a:fld id="{3A5666F9-5B40-48E0-8DFD-99EF944CDD22}" type="datetimeFigureOut">
               <a:rPr lang="en-US" dirty="0"/>
-              <a:t>9/17/2018</a:t>
+              <a:t>9/18/2018</a:t>
             </a:fld>
             <a:endParaRPr lang="en-US" dirty="0"/>
           </a:p>
@@ -5852,7 +5852,7 @@
           <a:p>
             <a:fld id="{2A698D6B-2C72-4E21-9893-A649C6E2A47D}" type="datetimeFigureOut">
               <a:rPr lang="en-US" dirty="0"/>
-              <a:t>9/17/2018</a:t>
+              <a:t>9/18/2018</a:t>
             </a:fld>
             <a:endParaRPr lang="en-US" dirty="0"/>
           </a:p>
@@ -6104,7 +6104,7 @@
           <a:p>
             <a:fld id="{C86811C9-A66C-49F0-970E-F7B68D9109A0}" type="datetimeFigureOut">
               <a:rPr lang="en-US" dirty="0"/>
-              <a:t>9/17/2018</a:t>
+              <a:t>9/18/2018</a:t>
             </a:fld>
             <a:endParaRPr lang="en-US" dirty="0"/>
           </a:p>
@@ -6262,7 +6262,7 @@
           <a:p>
             <a:fld id="{6C01AE78-96A2-4A23-B183-3B6DB4374FE7}" type="datetimeFigureOut">
               <a:rPr lang="en-US" dirty="0"/>
-              <a:t>9/17/2018</a:t>
+              <a:t>9/18/2018</a:t>
             </a:fld>
             <a:endParaRPr lang="en-US" dirty="0"/>
           </a:p>
@@ -6647,7 +6647,7 @@
           <a:p>
             <a:fld id="{73AE0757-B101-4811-9189-10EB2F458E2D}" type="datetimeFigureOut">
               <a:rPr lang="en-US" dirty="0"/>
-              <a:t>9/17/2018</a:t>
+              <a:t>9/18/2018</a:t>
             </a:fld>
             <a:endParaRPr lang="en-US" dirty="0"/>
           </a:p>
@@ -7051,7 +7051,7 @@
           <a:p>
             <a:fld id="{7EBDC078-589F-40E3-816C-EE21D62B5BBA}" type="datetimeFigureOut">
               <a:rPr lang="en-US" dirty="0"/>
-              <a:t>9/17/2018</a:t>
+              <a:t>9/18/2018</a:t>
             </a:fld>
             <a:endParaRPr lang="en-US" dirty="0"/>
           </a:p>
@@ -7290,7 +7290,7 @@
           <a:p>
             <a:fld id="{C7004436-CA73-4D53-89B4-2A5C7347BF2F}" type="datetimeFigureOut">
               <a:rPr lang="en-US" dirty="0"/>
-              <a:t>9/17/2018</a:t>
+              <a:t>9/18/2018</a:t>
             </a:fld>
             <a:endParaRPr lang="en-US" dirty="0"/>
           </a:p>
@@ -8223,7 +8223,7 @@
         </p:nvSpPr>
         <p:spPr>
           <a:xfrm>
-            <a:off x="5035826" y="4455242"/>
+            <a:off x="5090807" y="5104455"/>
             <a:ext cx="2385391" cy="369332"/>
           </a:xfrm>
           <a:prstGeom prst="rect">
@@ -8258,7 +8258,7 @@
         </p:nvSpPr>
         <p:spPr>
           <a:xfrm>
-            <a:off x="8693426" y="4455242"/>
+            <a:off x="8891479" y="5104455"/>
             <a:ext cx="2849217" cy="369332"/>
           </a:xfrm>
           <a:prstGeom prst="rect">
@@ -8306,6 +8306,41 @@
             <a:off x="289071" y="2229287"/>
             <a:ext cx="3094893" cy="2321170"/>
           </a:xfrm>
+          <a:ln w="76200">
+            <a:solidFill>
+              <a:schemeClr val="accent2"/>
+            </a:solidFill>
+          </a:ln>
+        </p:spPr>
+      </p:pic>
+      <p:pic>
+        <p:nvPicPr>
+          <p:cNvPr id="4" name="Picture 3">
+            <a:extLst>
+              <a:ext uri="{FF2B5EF4-FFF2-40B4-BE49-F238E27FC236}">
+                <a16:creationId xmlns:a16="http://schemas.microsoft.com/office/drawing/2014/main" id="{1CF2838B-4FA6-4DEC-83A9-98407BAF4DD7}"/>
+              </a:ext>
+            </a:extLst>
+          </p:cNvPr>
+          <p:cNvPicPr>
+            <a:picLocks noChangeAspect="1"/>
+          </p:cNvPicPr>
+          <p:nvPr/>
+        </p:nvPicPr>
+        <p:blipFill>
+          <a:blip r:embed="rId3"/>
+          <a:stretch>
+            <a:fillRect/>
+          </a:stretch>
+        </p:blipFill>
+        <p:spPr>
+          <a:xfrm>
+            <a:off x="3803374" y="2161015"/>
+            <a:ext cx="3646320" cy="2430879"/>
+          </a:xfrm>
+          <a:prstGeom prst="rect">
+            <a:avLst/>
+          </a:prstGeom>
           <a:ln w="76200">
             <a:solidFill>
               <a:schemeClr val="accent2"/>

--- a/TeamScholasticCrush.pptx
+++ b/TeamScholasticCrush.pptx
@@ -7996,7 +7996,7 @@
         </p:blipFill>
         <p:spPr>
           <a:xfrm>
-            <a:off x="680321" y="2126050"/>
+            <a:off x="318814" y="2146099"/>
             <a:ext cx="3351810" cy="2513858"/>
           </a:xfrm>
           <a:ln w="76200">
@@ -8030,7 +8030,7 @@
         </p:blipFill>
         <p:spPr>
           <a:xfrm>
-            <a:off x="4328935" y="2126050"/>
+            <a:off x="3901954" y="2106000"/>
             <a:ext cx="3830936" cy="2553957"/>
           </a:xfrm>
           <a:prstGeom prst="rect">
@@ -8041,6 +8041,72 @@
               <a:schemeClr val="accent3"/>
             </a:solidFill>
           </a:ln>
+        </p:spPr>
+      </p:pic>
+      <p:pic>
+        <p:nvPicPr>
+          <p:cNvPr id="8" name="Picture 7">
+            <a:extLst>
+              <a:ext uri="{FF2B5EF4-FFF2-40B4-BE49-F238E27FC236}">
+                <a16:creationId xmlns:a16="http://schemas.microsoft.com/office/drawing/2014/main" id="{61905F80-45B4-4C0A-9D99-2B1A98247935}"/>
+              </a:ext>
+            </a:extLst>
+          </p:cNvPr>
+          <p:cNvPicPr>
+            <a:picLocks noChangeAspect="1"/>
+          </p:cNvPicPr>
+          <p:nvPr/>
+        </p:nvPicPr>
+        <p:blipFill>
+          <a:blip r:embed="rId4">
+            <a:extLst>
+              <a:ext uri="{28A0092B-C50C-407E-A947-70E740481C1C}">
+                <a14:useLocalDpi xmlns:a14="http://schemas.microsoft.com/office/drawing/2010/main" val="0"/>
+              </a:ext>
+            </a:extLst>
+          </a:blip>
+          <a:stretch>
+            <a:fillRect/>
+          </a:stretch>
+        </p:blipFill>
+        <p:spPr>
+          <a:xfrm>
+            <a:off x="7964221" y="2146099"/>
+            <a:ext cx="3908965" cy="2553957"/>
+          </a:xfrm>
+          <a:prstGeom prst="rect">
+            <a:avLst/>
+          </a:prstGeom>
+          <a:solidFill>
+            <a:srgbClr val="FFFFFF">
+              <a:shade val="85000"/>
+            </a:srgbClr>
+          </a:solidFill>
+          <a:ln w="88900" cap="sq">
+            <a:solidFill>
+              <a:srgbClr val="FFFFFF"/>
+            </a:solidFill>
+            <a:miter lim="800000"/>
+          </a:ln>
+          <a:effectLst>
+            <a:outerShdw blurRad="55000" dist="18000" dir="5400000" algn="tl" rotWithShape="0">
+              <a:srgbClr val="000000">
+                <a:alpha val="40000"/>
+              </a:srgbClr>
+            </a:outerShdw>
+          </a:effectLst>
+          <a:scene3d>
+            <a:camera prst="orthographicFront"/>
+            <a:lightRig rig="twoPt" dir="t">
+              <a:rot lat="0" lon="0" rev="7200000"/>
+            </a:lightRig>
+          </a:scene3d>
+          <a:sp3d>
+            <a:bevelT w="25400" h="19050"/>
+            <a:contourClr>
+              <a:srgbClr val="FFFFFF"/>
+            </a:contourClr>
+          </a:sp3d>
         </p:spPr>
       </p:pic>
     </p:spTree>
@@ -8780,41 +8846,107 @@
           </a:p>
         </p:txBody>
       </p:sp>
-      <p:pic>
-        <p:nvPicPr>
-          <p:cNvPr id="4" name="Content Placeholder 3">
+      <p:sp>
+        <p:nvSpPr>
+          <p:cNvPr id="7" name="TextBox 6">
             <a:extLst>
               <a:ext uri="{FF2B5EF4-FFF2-40B4-BE49-F238E27FC236}">
-                <a16:creationId xmlns:a16="http://schemas.microsoft.com/office/drawing/2014/main" id="{C5129BF8-84AD-4B7A-A91F-63B274C8A44C}"/>
+                <a16:creationId xmlns:a16="http://schemas.microsoft.com/office/drawing/2014/main" id="{6D92CE34-1A08-4764-9416-920AAFB62EB5}"/>
               </a:ext>
             </a:extLst>
           </p:cNvPr>
-          <p:cNvPicPr>
-            <a:picLocks noGrp="1" noChangeAspect="1"/>
-          </p:cNvPicPr>
+          <p:cNvSpPr txBox="1"/>
+          <p:nvPr/>
+        </p:nvSpPr>
+        <p:spPr>
+          <a:xfrm>
+            <a:off x="6354419" y="6126796"/>
+            <a:ext cx="5004862" cy="369332"/>
+          </a:xfrm>
+          <a:prstGeom prst="rect">
+            <a:avLst/>
+          </a:prstGeom>
+          <a:noFill/>
+        </p:spPr>
+        <p:txBody>
+          <a:bodyPr wrap="square" rtlCol="0">
+            <a:spAutoFit/>
+          </a:bodyPr>
+          <a:lstStyle/>
+          <a:p>
+            <a:r>
+              <a:rPr lang="en-US" dirty="0"/>
+              <a:t>Charter</a:t>
+            </a:r>
+          </a:p>
+        </p:txBody>
+      </p:sp>
+      <p:sp>
+        <p:nvSpPr>
+          <p:cNvPr id="10" name="TextBox 9">
+            <a:extLst>
+              <a:ext uri="{FF2B5EF4-FFF2-40B4-BE49-F238E27FC236}">
+                <a16:creationId xmlns:a16="http://schemas.microsoft.com/office/drawing/2014/main" id="{752F5C9B-F8ED-43BB-9D7A-62B03CAAB2E8}"/>
+              </a:ext>
+            </a:extLst>
+          </p:cNvPr>
+          <p:cNvSpPr txBox="1"/>
+          <p:nvPr/>
+        </p:nvSpPr>
+        <p:spPr>
+          <a:xfrm>
+            <a:off x="655897" y="6023977"/>
+            <a:ext cx="5004862" cy="369332"/>
+          </a:xfrm>
+          <a:prstGeom prst="rect">
+            <a:avLst/>
+          </a:prstGeom>
+          <a:noFill/>
+        </p:spPr>
+        <p:txBody>
+          <a:bodyPr wrap="square" rtlCol="0">
+            <a:spAutoFit/>
+          </a:bodyPr>
+          <a:lstStyle/>
+          <a:p>
+            <a:r>
+              <a:rPr lang="en-US" dirty="0"/>
+              <a:t>Public</a:t>
+            </a:r>
+          </a:p>
+        </p:txBody>
+      </p:sp>
+      <p:sp>
+        <p:nvSpPr>
+          <p:cNvPr id="5" name="Content Placeholder 4">
+            <a:extLst>
+              <a:ext uri="{FF2B5EF4-FFF2-40B4-BE49-F238E27FC236}">
+                <a16:creationId xmlns:a16="http://schemas.microsoft.com/office/drawing/2014/main" id="{768A8FE1-BE11-4FAA-84B6-A3FFB7DFC1F3}"/>
+              </a:ext>
+            </a:extLst>
+          </p:cNvPr>
+          <p:cNvSpPr>
+            <a:spLocks noGrp="1"/>
+          </p:cNvSpPr>
           <p:nvPr>
             <p:ph idx="1"/>
           </p:nvPr>
-        </p:nvPicPr>
-        <p:blipFill>
-          <a:blip r:embed="rId2"/>
-          <a:stretch>
-            <a:fillRect/>
-          </a:stretch>
-        </p:blipFill>
-        <p:spPr>
-          <a:xfrm>
-            <a:off x="459181" y="2221973"/>
-            <a:ext cx="5398294" cy="3598863"/>
-          </a:xfrm>
-        </p:spPr>
-      </p:pic>
+        </p:nvSpPr>
+        <p:spPr/>
+        <p:txBody>
+          <a:bodyPr/>
+          <a:lstStyle/>
+          <a:p>
+            <a:endParaRPr lang="en-US"/>
+          </a:p>
+        </p:txBody>
+      </p:sp>
       <p:pic>
         <p:nvPicPr>
-          <p:cNvPr id="6" name="Picture 5">
+          <p:cNvPr id="9" name="Content Placeholder 8">
             <a:extLst>
               <a:ext uri="{FF2B5EF4-FFF2-40B4-BE49-F238E27FC236}">
-                <a16:creationId xmlns:a16="http://schemas.microsoft.com/office/drawing/2014/main" id="{54C90A4B-63EB-47AB-BA65-1B181D612A56}"/>
+                <a16:creationId xmlns:a16="http://schemas.microsoft.com/office/drawing/2014/main" id="{251F4A69-5026-47E8-9898-E13CFB416E2D}"/>
               </a:ext>
             </a:extLst>
           </p:cNvPr>
@@ -8824,91 +8956,21 @@
           <p:nvPr/>
         </p:nvPicPr>
         <p:blipFill>
-          <a:blip r:embed="rId3"/>
+          <a:blip r:embed="rId2"/>
           <a:stretch>
             <a:fillRect/>
           </a:stretch>
         </p:blipFill>
         <p:spPr>
           <a:xfrm>
-            <a:off x="6245169" y="2221973"/>
-            <a:ext cx="5487650" cy="3658433"/>
+            <a:off x="459181" y="2181049"/>
+            <a:ext cx="5398294" cy="3598863"/>
           </a:xfrm>
           <a:prstGeom prst="rect">
             <a:avLst/>
           </a:prstGeom>
         </p:spPr>
       </p:pic>
-      <p:sp>
-        <p:nvSpPr>
-          <p:cNvPr id="7" name="TextBox 6">
-            <a:extLst>
-              <a:ext uri="{FF2B5EF4-FFF2-40B4-BE49-F238E27FC236}">
-                <a16:creationId xmlns:a16="http://schemas.microsoft.com/office/drawing/2014/main" id="{6D92CE34-1A08-4764-9416-920AAFB62EB5}"/>
-              </a:ext>
-            </a:extLst>
-          </p:cNvPr>
-          <p:cNvSpPr txBox="1"/>
-          <p:nvPr/>
-        </p:nvSpPr>
-        <p:spPr>
-          <a:xfrm>
-            <a:off x="6354419" y="6126796"/>
-            <a:ext cx="5004862" cy="369332"/>
-          </a:xfrm>
-          <a:prstGeom prst="rect">
-            <a:avLst/>
-          </a:prstGeom>
-          <a:noFill/>
-        </p:spPr>
-        <p:txBody>
-          <a:bodyPr wrap="square" rtlCol="0">
-            <a:spAutoFit/>
-          </a:bodyPr>
-          <a:lstStyle/>
-          <a:p>
-            <a:r>
-              <a:rPr lang="en-US" dirty="0"/>
-              <a:t>Charter</a:t>
-            </a:r>
-          </a:p>
-        </p:txBody>
-      </p:sp>
-      <p:sp>
-        <p:nvSpPr>
-          <p:cNvPr id="10" name="TextBox 9">
-            <a:extLst>
-              <a:ext uri="{FF2B5EF4-FFF2-40B4-BE49-F238E27FC236}">
-                <a16:creationId xmlns:a16="http://schemas.microsoft.com/office/drawing/2014/main" id="{752F5C9B-F8ED-43BB-9D7A-62B03CAAB2E8}"/>
-              </a:ext>
-            </a:extLst>
-          </p:cNvPr>
-          <p:cNvSpPr txBox="1"/>
-          <p:nvPr/>
-        </p:nvSpPr>
-        <p:spPr>
-          <a:xfrm>
-            <a:off x="655897" y="6023977"/>
-            <a:ext cx="5004862" cy="369332"/>
-          </a:xfrm>
-          <a:prstGeom prst="rect">
-            <a:avLst/>
-          </a:prstGeom>
-          <a:noFill/>
-        </p:spPr>
-        <p:txBody>
-          <a:bodyPr wrap="square" rtlCol="0">
-            <a:spAutoFit/>
-          </a:bodyPr>
-          <a:lstStyle/>
-          <a:p>
-            <a:r>
-              <a:rPr lang="en-US" dirty="0"/>
-              <a:t>Public</a:t>
-            </a:r>
-          </a:p>
-        </p:txBody>
-      </p:sp>
     </p:spTree>
     <p:extLst>
       <p:ext uri="{BB962C8B-B14F-4D97-AF65-F5344CB8AC3E}">

--- a/TeamScholasticCrush.pptx
+++ b/TeamScholasticCrush.pptx
@@ -8369,7 +8369,7 @@
         </p:blipFill>
         <p:spPr>
           <a:xfrm>
-            <a:off x="289071" y="2229287"/>
+            <a:off x="459096" y="2229287"/>
             <a:ext cx="3094893" cy="2321170"/>
           </a:xfrm>
           <a:ln w="76200">
@@ -8401,8 +8401,43 @@
         </p:blipFill>
         <p:spPr>
           <a:xfrm>
-            <a:off x="3803374" y="2161015"/>
+            <a:off x="3920332" y="2161015"/>
             <a:ext cx="3646320" cy="2430879"/>
+          </a:xfrm>
+          <a:prstGeom prst="rect">
+            <a:avLst/>
+          </a:prstGeom>
+          <a:ln w="76200">
+            <a:solidFill>
+              <a:schemeClr val="accent2"/>
+            </a:solidFill>
+          </a:ln>
+        </p:spPr>
+      </p:pic>
+      <p:pic>
+        <p:nvPicPr>
+          <p:cNvPr id="5" name="Picture 4">
+            <a:extLst>
+              <a:ext uri="{FF2B5EF4-FFF2-40B4-BE49-F238E27FC236}">
+                <a16:creationId xmlns:a16="http://schemas.microsoft.com/office/drawing/2014/main" id="{04C6BCAB-9B28-4F1F-A3F0-BDEC44B1AEDC}"/>
+              </a:ext>
+            </a:extLst>
+          </p:cNvPr>
+          <p:cNvPicPr>
+            <a:picLocks noChangeAspect="1"/>
+          </p:cNvPicPr>
+          <p:nvPr/>
+        </p:nvPicPr>
+        <p:blipFill>
+          <a:blip r:embed="rId4"/>
+          <a:stretch>
+            <a:fillRect/>
+          </a:stretch>
+        </p:blipFill>
+        <p:spPr>
+          <a:xfrm>
+            <a:off x="8103020" y="2161015"/>
+            <a:ext cx="3375617" cy="2531713"/>
           </a:xfrm>
           <a:prstGeom prst="rect">
             <a:avLst/>
@@ -8561,7 +8596,15 @@
           <a:p>
             <a:r>
               <a:rPr lang="en-US" dirty="0"/>
-              <a:t>R = -0.67</a:t>
+              <a:t>R</a:t>
+            </a:r>
+            <a:r>
+              <a:rPr lang="en-US" baseline="30000" dirty="0"/>
+              <a:t>2</a:t>
+            </a:r>
+            <a:r>
+              <a:rPr lang="en-US" dirty="0"/>
+              <a:t> = -0.67</a:t>
             </a:r>
           </a:p>
         </p:txBody>
@@ -8596,7 +8639,85 @@
           <a:p>
             <a:r>
               <a:rPr lang="en-US" dirty="0"/>
-              <a:t>R = 0.36 </a:t>
+              <a:t>R</a:t>
+            </a:r>
+            <a:r>
+              <a:rPr lang="en-US" baseline="30000" dirty="0"/>
+              <a:t>2</a:t>
+            </a:r>
+            <a:r>
+              <a:rPr lang="en-US" dirty="0"/>
+              <a:t> = 0.36 </a:t>
+            </a:r>
+          </a:p>
+        </p:txBody>
+      </p:sp>
+      <p:sp>
+        <p:nvSpPr>
+          <p:cNvPr id="9" name="TextBox 8">
+            <a:extLst>
+              <a:ext uri="{FF2B5EF4-FFF2-40B4-BE49-F238E27FC236}">
+                <a16:creationId xmlns:a16="http://schemas.microsoft.com/office/drawing/2014/main" id="{3E367699-2ABB-479D-A882-9B7DEE513719}"/>
+              </a:ext>
+            </a:extLst>
+          </p:cNvPr>
+          <p:cNvSpPr txBox="1"/>
+          <p:nvPr/>
+        </p:nvSpPr>
+        <p:spPr>
+          <a:xfrm>
+            <a:off x="970671" y="6140912"/>
+            <a:ext cx="5004862" cy="369332"/>
+          </a:xfrm>
+          <a:prstGeom prst="rect">
+            <a:avLst/>
+          </a:prstGeom>
+          <a:noFill/>
+        </p:spPr>
+        <p:txBody>
+          <a:bodyPr wrap="square" rtlCol="0">
+            <a:spAutoFit/>
+          </a:bodyPr>
+          <a:lstStyle/>
+          <a:p>
+            <a:r>
+              <a:rPr lang="en-US" dirty="0"/>
+              <a:t>Public</a:t>
+            </a:r>
+          </a:p>
+        </p:txBody>
+      </p:sp>
+      <p:sp>
+        <p:nvSpPr>
+          <p:cNvPr id="4" name="TextBox 3">
+            <a:extLst>
+              <a:ext uri="{FF2B5EF4-FFF2-40B4-BE49-F238E27FC236}">
+                <a16:creationId xmlns:a16="http://schemas.microsoft.com/office/drawing/2014/main" id="{F5846F89-1BDF-4C60-A79A-FC3B04846E63}"/>
+              </a:ext>
+            </a:extLst>
+          </p:cNvPr>
+          <p:cNvSpPr txBox="1"/>
+          <p:nvPr/>
+        </p:nvSpPr>
+        <p:spPr>
+          <a:xfrm>
+            <a:off x="6813446" y="6217415"/>
+            <a:ext cx="1575180" cy="369332"/>
+          </a:xfrm>
+          <a:prstGeom prst="rect">
+            <a:avLst/>
+          </a:prstGeom>
+          <a:noFill/>
+        </p:spPr>
+        <p:txBody>
+          <a:bodyPr wrap="square" rtlCol="0">
+            <a:spAutoFit/>
+          </a:bodyPr>
+          <a:lstStyle/>
+          <a:p>
+            <a:r>
+              <a:rPr lang="en-US" dirty="0"/>
+              <a:t>Charter</a:t>
             </a:r>
           </a:p>
         </p:txBody>
@@ -8683,8 +8804,8 @@
         </p:blipFill>
         <p:spPr>
           <a:xfrm>
-            <a:off x="459181" y="2221973"/>
-            <a:ext cx="5398294" cy="3598863"/>
+            <a:off x="1212111" y="2221973"/>
+            <a:ext cx="4645363" cy="3096909"/>
           </a:xfrm>
         </p:spPr>
       </p:pic>
@@ -8710,8 +8831,8 @@
         </p:blipFill>
         <p:spPr>
           <a:xfrm>
-            <a:off x="6245169" y="2221973"/>
-            <a:ext cx="5487650" cy="3658433"/>
+            <a:off x="7087455" y="2221973"/>
+            <a:ext cx="4645364" cy="3096909"/>
           </a:xfrm>
           <a:prstGeom prst="rect">
             <a:avLst/>
@@ -8732,7 +8853,7 @@
         </p:nvSpPr>
         <p:spPr>
           <a:xfrm>
-            <a:off x="6354419" y="6126796"/>
+            <a:off x="7373379" y="5891355"/>
             <a:ext cx="5004862" cy="369332"/>
           </a:xfrm>
           <a:prstGeom prst="rect">
@@ -8767,7 +8888,7 @@
         </p:nvSpPr>
         <p:spPr>
           <a:xfrm>
-            <a:off x="655897" y="6023977"/>
+            <a:off x="1212111" y="5942130"/>
             <a:ext cx="5004862" cy="369332"/>
           </a:xfrm>
           <a:prstGeom prst="rect">
@@ -8784,6 +8905,91 @@
             <a:r>
               <a:rPr lang="en-US" dirty="0"/>
               <a:t>Public</a:t>
+            </a:r>
+          </a:p>
+        </p:txBody>
+      </p:sp>
+      <p:sp>
+        <p:nvSpPr>
+          <p:cNvPr id="3" name="TextBox 2">
+            <a:extLst>
+              <a:ext uri="{FF2B5EF4-FFF2-40B4-BE49-F238E27FC236}">
+                <a16:creationId xmlns:a16="http://schemas.microsoft.com/office/drawing/2014/main" id="{42EEDFCE-2723-4743-9D35-57E01F99D3A5}"/>
+              </a:ext>
+            </a:extLst>
+          </p:cNvPr>
+          <p:cNvSpPr txBox="1"/>
+          <p:nvPr/>
+        </p:nvSpPr>
+        <p:spPr>
+          <a:xfrm>
+            <a:off x="1212111" y="5522023"/>
+            <a:ext cx="2466754" cy="369332"/>
+          </a:xfrm>
+          <a:prstGeom prst="rect">
+            <a:avLst/>
+          </a:prstGeom>
+          <a:noFill/>
+        </p:spPr>
+        <p:txBody>
+          <a:bodyPr wrap="square" rtlCol="0">
+            <a:spAutoFit/>
+          </a:bodyPr>
+          <a:lstStyle/>
+          <a:p>
+            <a:r>
+              <a:rPr lang="en-US" dirty="0"/>
+              <a:t>R</a:t>
+            </a:r>
+            <a:r>
+              <a:rPr lang="en-US" baseline="30000" dirty="0"/>
+              <a:t>2</a:t>
+            </a:r>
+            <a:r>
+              <a:rPr lang="en-US" dirty="0"/>
+              <a:t> = -0.67</a:t>
+            </a:r>
+          </a:p>
+        </p:txBody>
+      </p:sp>
+      <p:sp>
+        <p:nvSpPr>
+          <p:cNvPr id="5" name="Rectangle 4">
+            <a:extLst>
+              <a:ext uri="{FF2B5EF4-FFF2-40B4-BE49-F238E27FC236}">
+                <a16:creationId xmlns:a16="http://schemas.microsoft.com/office/drawing/2014/main" id="{145F2950-BB26-473F-ABE0-491DBC66FFD8}"/>
+              </a:ext>
+            </a:extLst>
+          </p:cNvPr>
+          <p:cNvSpPr/>
+          <p:nvPr/>
+        </p:nvSpPr>
+        <p:spPr>
+          <a:xfrm>
+            <a:off x="7373379" y="5522023"/>
+            <a:ext cx="1194558" cy="369332"/>
+          </a:xfrm>
+          <a:prstGeom prst="rect">
+            <a:avLst/>
+          </a:prstGeom>
+        </p:spPr>
+        <p:txBody>
+          <a:bodyPr wrap="none">
+            <a:spAutoFit/>
+          </a:bodyPr>
+          <a:lstStyle/>
+          <a:p>
+            <a:r>
+              <a:rPr lang="en-US" dirty="0"/>
+              <a:t>R</a:t>
+            </a:r>
+            <a:r>
+              <a:rPr lang="en-US" baseline="30000" dirty="0"/>
+              <a:t>2</a:t>
+            </a:r>
+            <a:r>
+              <a:rPr lang="en-US" dirty="0"/>
+              <a:t> = -0.27</a:t>
             </a:r>
           </a:p>
         </p:txBody>
@@ -8916,31 +9122,6 @@
           </a:p>
         </p:txBody>
       </p:sp>
-      <p:sp>
-        <p:nvSpPr>
-          <p:cNvPr id="5" name="Content Placeholder 4">
-            <a:extLst>
-              <a:ext uri="{FF2B5EF4-FFF2-40B4-BE49-F238E27FC236}">
-                <a16:creationId xmlns:a16="http://schemas.microsoft.com/office/drawing/2014/main" id="{768A8FE1-BE11-4FAA-84B6-A3FFB7DFC1F3}"/>
-              </a:ext>
-            </a:extLst>
-          </p:cNvPr>
-          <p:cNvSpPr>
-            <a:spLocks noGrp="1"/>
-          </p:cNvSpPr>
-          <p:nvPr>
-            <p:ph idx="1"/>
-          </p:nvPr>
-        </p:nvSpPr>
-        <p:spPr/>
-        <p:txBody>
-          <a:bodyPr/>
-          <a:lstStyle/>
-          <a:p>
-            <a:endParaRPr lang="en-US"/>
-          </a:p>
-        </p:txBody>
-      </p:sp>
       <p:pic>
         <p:nvPicPr>
           <p:cNvPr id="9" name="Content Placeholder 8">
@@ -8969,6 +9150,35 @@
           <a:prstGeom prst="rect">
             <a:avLst/>
           </a:prstGeom>
+        </p:spPr>
+      </p:pic>
+      <p:pic>
+        <p:nvPicPr>
+          <p:cNvPr id="12" name="Content Placeholder 11">
+            <a:extLst>
+              <a:ext uri="{FF2B5EF4-FFF2-40B4-BE49-F238E27FC236}">
+                <a16:creationId xmlns:a16="http://schemas.microsoft.com/office/drawing/2014/main" id="{C17C7F2D-44BA-493E-94D8-630F56463973}"/>
+              </a:ext>
+            </a:extLst>
+          </p:cNvPr>
+          <p:cNvPicPr>
+            <a:picLocks noGrp="1" noChangeAspect="1"/>
+          </p:cNvPicPr>
+          <p:nvPr>
+            <p:ph idx="1"/>
+          </p:nvPr>
+        </p:nvPicPr>
+        <p:blipFill>
+          <a:blip r:embed="rId3"/>
+          <a:stretch>
+            <a:fillRect/>
+          </a:stretch>
+        </p:blipFill>
+        <p:spPr>
+          <a:xfrm>
+            <a:off x="6157703" y="2181049"/>
+            <a:ext cx="5398294" cy="3598863"/>
+          </a:xfrm>
         </p:spPr>
       </p:pic>
     </p:spTree>
@@ -9047,7 +9257,9 @@
         </p:nvSpPr>
         <p:spPr/>
         <p:txBody>
-          <a:bodyPr/>
+          <a:bodyPr>
+            <a:normAutofit fontScale="92500" lnSpcReduction="10000"/>
+          </a:bodyPr>
           <a:lstStyle/>
           <a:p>
             <a:r>
@@ -9056,10 +9268,25 @@
             </a:r>
           </a:p>
           <a:p>
+            <a:endParaRPr lang="en-US" dirty="0"/>
+          </a:p>
+          <a:p>
             <a:r>
               <a:rPr lang="en-US" dirty="0"/>
-              <a:t>Charter schools perform on average worse than public schools in Hamilton County</a:t>
-            </a:r>
+              <a:t>Charter schools perform on average worse than public schools in Hamilton County, though this is not a statistically significant result</a:t>
+            </a:r>
+          </a:p>
+          <a:p>
+            <a:endParaRPr lang="en-US" dirty="0"/>
+          </a:p>
+          <a:p>
+            <a:r>
+              <a:rPr lang="en-US" dirty="0"/>
+              <a:t>Amount of payroll entering a community does not impact the charter schools performance.  This is also true for public schools.</a:t>
+            </a:r>
+          </a:p>
+          <a:p>
+            <a:endParaRPr lang="en-US" dirty="0"/>
           </a:p>
           <a:p>
             <a:r>

--- a/TeamScholasticCrush.pptx
+++ b/TeamScholasticCrush.pptx
@@ -9258,22 +9258,19 @@
         <p:spPr/>
         <p:txBody>
           <a:bodyPr>
-            <a:normAutofit fontScale="92500" lnSpcReduction="10000"/>
+            <a:normAutofit/>
           </a:bodyPr>
           <a:lstStyle/>
           <a:p>
+            <a:pPr marL="0" indent="0">
+              <a:buNone/>
+            </a:pPr>
+            <a:endParaRPr lang="en-US" dirty="0"/>
+          </a:p>
+          <a:p>
             <a:r>
               <a:rPr lang="en-US" dirty="0"/>
-              <a:t>Charter schools on average perform as well as public schools, though the spread is greater in public schools performance in Cuyahoga</a:t>
-            </a:r>
-          </a:p>
-          <a:p>
-            <a:endParaRPr lang="en-US" dirty="0"/>
-          </a:p>
-          <a:p>
-            <a:r>
-              <a:rPr lang="en-US" dirty="0"/>
-              <a:t>Charter schools perform on average worse than public schools in Hamilton County, though this is not a statistically significant result</a:t>
+              <a:t>Charter schools perform on average worse than public schools in Hamilton County, Cuyahoga County, and Franklin County</a:t>
             </a:r>
           </a:p>
           <a:p>

--- a/TeamScholasticCrush.pptx
+++ b/TeamScholasticCrush.pptx
@@ -7880,7 +7880,7 @@
         </p:nvSpPr>
         <p:spPr>
           <a:xfrm>
-            <a:off x="770602" y="4908518"/>
+            <a:off x="685524" y="5557875"/>
             <a:ext cx="3216430" cy="369332"/>
           </a:xfrm>
           <a:prstGeom prst="rect">
@@ -7916,7 +7916,7 @@
         </p:nvSpPr>
         <p:spPr>
           <a:xfrm>
-            <a:off x="5487251" y="4908518"/>
+            <a:off x="5486969" y="5557875"/>
             <a:ext cx="2385391" cy="369332"/>
           </a:xfrm>
           <a:prstGeom prst="rect">
@@ -7951,7 +7951,7 @@
         </p:nvSpPr>
         <p:spPr>
           <a:xfrm>
-            <a:off x="9372861" y="4940236"/>
+            <a:off x="9457375" y="5557875"/>
             <a:ext cx="2849217" cy="369332"/>
           </a:xfrm>
           <a:prstGeom prst="rect">
@@ -7996,7 +7996,7 @@
         </p:blipFill>
         <p:spPr>
           <a:xfrm>
-            <a:off x="318814" y="2146099"/>
+            <a:off x="318813" y="2684630"/>
             <a:ext cx="3351810" cy="2513858"/>
           </a:xfrm>
           <a:ln w="76200">
@@ -8030,7 +8030,7 @@
         </p:blipFill>
         <p:spPr>
           <a:xfrm>
-            <a:off x="3901954" y="2106000"/>
+            <a:off x="3901954" y="2684630"/>
             <a:ext cx="3830936" cy="2553957"/>
           </a:xfrm>
           <a:prstGeom prst="rect">
@@ -8071,7 +8071,7 @@
         </p:blipFill>
         <p:spPr>
           <a:xfrm>
-            <a:off x="7964221" y="2146099"/>
+            <a:off x="7964221" y="2715943"/>
             <a:ext cx="3908965" cy="2553957"/>
           </a:xfrm>
           <a:prstGeom prst="rect">
@@ -8218,7 +8218,7 @@
         </p:nvSpPr>
         <p:spPr>
           <a:xfrm>
-            <a:off x="289071" y="4735123"/>
+            <a:off x="451304" y="5092464"/>
             <a:ext cx="3094893" cy="369332"/>
           </a:xfrm>
           <a:prstGeom prst="rect">
@@ -8253,7 +8253,7 @@
         </p:nvSpPr>
         <p:spPr>
           <a:xfrm>
-            <a:off x="459096" y="5104455"/>
+            <a:off x="459096" y="5473787"/>
             <a:ext cx="3216430" cy="369332"/>
           </a:xfrm>
           <a:prstGeom prst="rect">
@@ -8289,7 +8289,7 @@
         </p:nvSpPr>
         <p:spPr>
           <a:xfrm>
-            <a:off x="5090807" y="5104455"/>
+            <a:off x="5090807" y="5473787"/>
             <a:ext cx="2385391" cy="369332"/>
           </a:xfrm>
           <a:prstGeom prst="rect">
@@ -8324,7 +8324,7 @@
         </p:nvSpPr>
         <p:spPr>
           <a:xfrm>
-            <a:off x="8891479" y="5104455"/>
+            <a:off x="8891479" y="5474426"/>
             <a:ext cx="2849217" cy="369332"/>
           </a:xfrm>
           <a:prstGeom prst="rect">
@@ -8369,7 +8369,7 @@
         </p:blipFill>
         <p:spPr>
           <a:xfrm>
-            <a:off x="459096" y="2229287"/>
+            <a:off x="519864" y="2647810"/>
             <a:ext cx="3094893" cy="2321170"/>
           </a:xfrm>
           <a:ln w="76200">
@@ -8401,7 +8401,7 @@
         </p:blipFill>
         <p:spPr>
           <a:xfrm>
-            <a:off x="3920332" y="2161015"/>
+            <a:off x="3914832" y="2592956"/>
             <a:ext cx="3646320" cy="2430879"/>
           </a:xfrm>
           <a:prstGeom prst="rect">
@@ -8436,7 +8436,7 @@
         </p:blipFill>
         <p:spPr>
           <a:xfrm>
-            <a:off x="8103020" y="2161015"/>
+            <a:off x="8129524" y="2560751"/>
             <a:ext cx="3375617" cy="2531713"/>
           </a:xfrm>
           <a:prstGeom prst="rect">
